--- a/Matching-App-Swift/Resource/AppIcon.pptx
+++ b/Matching-App-Swift/Resource/AppIcon.pptx
@@ -260,7 +260,7 @@
           <a:p>
             <a:fld id="{01A9F134-D1CF-474C-BA9E-3B6F71D44E2D}" type="datetimeFigureOut">
               <a:rPr kumimoji="1" lang="ja-JP" altLang="en-US" smtClean="0"/>
-              <a:t>2019/10/6</a:t>
+              <a:t>2019/10/14</a:t>
             </a:fld>
             <a:endParaRPr kumimoji="1" lang="ja-JP" altLang="en-US"/>
           </a:p>
@@ -465,7 +465,7 @@
           <a:p>
             <a:fld id="{01A9F134-D1CF-474C-BA9E-3B6F71D44E2D}" type="datetimeFigureOut">
               <a:rPr kumimoji="1" lang="ja-JP" altLang="en-US" smtClean="0"/>
-              <a:t>2019/10/6</a:t>
+              <a:t>2019/10/14</a:t>
             </a:fld>
             <a:endParaRPr kumimoji="1" lang="ja-JP" altLang="en-US"/>
           </a:p>
@@ -680,7 +680,7 @@
           <a:p>
             <a:fld id="{01A9F134-D1CF-474C-BA9E-3B6F71D44E2D}" type="datetimeFigureOut">
               <a:rPr kumimoji="1" lang="ja-JP" altLang="en-US" smtClean="0"/>
-              <a:t>2019/10/6</a:t>
+              <a:t>2019/10/14</a:t>
             </a:fld>
             <a:endParaRPr kumimoji="1" lang="ja-JP" altLang="en-US"/>
           </a:p>
@@ -885,7 +885,7 @@
           <a:p>
             <a:fld id="{01A9F134-D1CF-474C-BA9E-3B6F71D44E2D}" type="datetimeFigureOut">
               <a:rPr kumimoji="1" lang="ja-JP" altLang="en-US" smtClean="0"/>
-              <a:t>2019/10/6</a:t>
+              <a:t>2019/10/14</a:t>
             </a:fld>
             <a:endParaRPr kumimoji="1" lang="ja-JP" altLang="en-US"/>
           </a:p>
@@ -1195,7 +1195,7 @@
           <a:p>
             <a:fld id="{01A9F134-D1CF-474C-BA9E-3B6F71D44E2D}" type="datetimeFigureOut">
               <a:rPr kumimoji="1" lang="ja-JP" altLang="en-US" smtClean="0"/>
-              <a:t>2019/10/6</a:t>
+              <a:t>2019/10/14</a:t>
             </a:fld>
             <a:endParaRPr kumimoji="1" lang="ja-JP" altLang="en-US"/>
           </a:p>
@@ -1474,7 +1474,7 @@
           <a:p>
             <a:fld id="{01A9F134-D1CF-474C-BA9E-3B6F71D44E2D}" type="datetimeFigureOut">
               <a:rPr kumimoji="1" lang="ja-JP" altLang="en-US" smtClean="0"/>
-              <a:t>2019/10/6</a:t>
+              <a:t>2019/10/14</a:t>
             </a:fld>
             <a:endParaRPr kumimoji="1" lang="ja-JP" altLang="en-US"/>
           </a:p>
@@ -1970,7 +1970,7 @@
           <a:p>
             <a:fld id="{01A9F134-D1CF-474C-BA9E-3B6F71D44E2D}" type="datetimeFigureOut">
               <a:rPr kumimoji="1" lang="ja-JP" altLang="en-US" smtClean="0"/>
-              <a:t>2019/10/6</a:t>
+              <a:t>2019/10/14</a:t>
             </a:fld>
             <a:endParaRPr kumimoji="1" lang="ja-JP" altLang="en-US"/>
           </a:p>
@@ -2111,7 +2111,7 @@
           <a:p>
             <a:fld id="{01A9F134-D1CF-474C-BA9E-3B6F71D44E2D}" type="datetimeFigureOut">
               <a:rPr kumimoji="1" lang="ja-JP" altLang="en-US" smtClean="0"/>
-              <a:t>2019/10/6</a:t>
+              <a:t>2019/10/14</a:t>
             </a:fld>
             <a:endParaRPr kumimoji="1" lang="ja-JP" altLang="en-US"/>
           </a:p>
@@ -2224,7 +2224,7 @@
           <a:p>
             <a:fld id="{01A9F134-D1CF-474C-BA9E-3B6F71D44E2D}" type="datetimeFigureOut">
               <a:rPr kumimoji="1" lang="ja-JP" altLang="en-US" smtClean="0"/>
-              <a:t>2019/10/6</a:t>
+              <a:t>2019/10/14</a:t>
             </a:fld>
             <a:endParaRPr kumimoji="1" lang="ja-JP" altLang="en-US"/>
           </a:p>
@@ -2577,7 +2577,7 @@
           <a:p>
             <a:fld id="{01A9F134-D1CF-474C-BA9E-3B6F71D44E2D}" type="datetimeFigureOut">
               <a:rPr kumimoji="1" lang="ja-JP" altLang="en-US" smtClean="0"/>
-              <a:t>2019/10/6</a:t>
+              <a:t>2019/10/14</a:t>
             </a:fld>
             <a:endParaRPr kumimoji="1" lang="ja-JP" altLang="en-US"/>
           </a:p>
@@ -2900,7 +2900,7 @@
           <a:p>
             <a:fld id="{01A9F134-D1CF-474C-BA9E-3B6F71D44E2D}" type="datetimeFigureOut">
               <a:rPr kumimoji="1" lang="ja-JP" altLang="en-US" smtClean="0"/>
-              <a:t>2019/10/6</a:t>
+              <a:t>2019/10/14</a:t>
             </a:fld>
             <a:endParaRPr kumimoji="1" lang="ja-JP" altLang="en-US"/>
           </a:p>
@@ -3148,7 +3148,7 @@
           <a:p>
             <a:fld id="{01A9F134-D1CF-474C-BA9E-3B6F71D44E2D}" type="datetimeFigureOut">
               <a:rPr kumimoji="1" lang="ja-JP" altLang="en-US" smtClean="0"/>
-              <a:t>2019/10/6</a:t>
+              <a:t>2019/10/14</a:t>
             </a:fld>
             <a:endParaRPr kumimoji="1" lang="ja-JP" altLang="en-US"/>
           </a:p>
@@ -3579,11 +3579,13 @@
         </p:nvSpPr>
         <p:spPr>
           <a:xfrm>
-            <a:off x="3915780" y="914172"/>
+            <a:off x="3915780" y="914171"/>
             <a:ext cx="4267200" cy="4267200"/>
           </a:xfrm>
           <a:prstGeom prst="roundRect">
-            <a:avLst/>
+            <a:avLst>
+              <a:gd name="adj" fmla="val 0"/>
+            </a:avLst>
           </a:prstGeom>
           <a:gradFill flip="none" rotWithShape="1">
             <a:gsLst>
